--- a/Attrition Analysis Part 2.pptx
+++ b/Attrition Analysis Part 2.pptx
@@ -5635,7 +5635,7 @@
                 </a:solidFill>
                 <a:latin typeface="Helvetica Neue"/>
               </a:rPr>
-              <a:t>We are using the same type of external variables used by the VAR model. Based on experience from the ARMA and VAR models we used a seasonality of 3 and analyzed lags from 1 to 6. </a:t>
+              <a:t>We are using the same type of external variables used by the VAR model. Based on experience from the ARMA and VAR models, we used a seasonality of 3 and analyzed lags from 1 to 6. </a:t>
             </a:r>
             <a:endParaRPr lang="en-US" dirty="0"/>
           </a:p>
@@ -5655,8 +5655,8 @@
         </p:nvSpPr>
         <p:spPr>
           <a:xfrm>
-            <a:off x="5782734" y="2330628"/>
-            <a:ext cx="6028267" cy="1200329"/>
+            <a:off x="5982027" y="2305625"/>
+            <a:ext cx="6011334" cy="1200329"/>
           </a:xfrm>
           <a:prstGeom prst="rect">
             <a:avLst/>
@@ -5698,7 +5698,7 @@
           </p:cNvPicPr>
           <p:nvPr/>
         </p:nvPicPr>
-        <p:blipFill>
+        <p:blipFill rotWithShape="1">
           <a:blip r:embed="rId4">
             <a:extLst>
               <a:ext uri="{28A0092B-C50C-407E-A947-70E740481C1C}">
@@ -5706,13 +5706,13 @@
               </a:ext>
             </a:extLst>
           </a:blip>
-          <a:srcRect/>
+          <a:srcRect b="10962"/>
           <a:stretch/>
         </p:blipFill>
         <p:spPr>
           <a:xfrm>
-            <a:off x="5884660" y="4176804"/>
-            <a:ext cx="2840111" cy="1415198"/>
+            <a:off x="5982027" y="3983352"/>
+            <a:ext cx="4046173" cy="1795148"/>
           </a:xfrm>
           <a:prstGeom prst="rect">
             <a:avLst/>
@@ -5931,25 +5931,7 @@
                 </a:solidFill>
                 <a:latin typeface="Helvetica Neue"/>
               </a:rPr>
-              <a:t>The flexibility of the Neural Network produced a closer fit the </a:t>
-            </a:r>
-            <a:r>
-              <a:rPr lang="en-US" dirty="0" err="1">
-                <a:solidFill>
-                  <a:srgbClr val="333333"/>
-                </a:solidFill>
-                <a:latin typeface="Helvetica Neue"/>
-              </a:rPr>
-              <a:t>the</a:t>
-            </a:r>
-            <a:r>
-              <a:rPr lang="en-US" dirty="0">
-                <a:solidFill>
-                  <a:srgbClr val="333333"/>
-                </a:solidFill>
-                <a:latin typeface="Helvetica Neue"/>
-              </a:rPr>
-              <a:t> data.</a:t>
+              <a:t>The flexibility of the Neural Network produced a closer fit to the data.</a:t>
             </a:r>
             <a:endParaRPr lang="en-US" dirty="0"/>
           </a:p>
@@ -6193,7 +6175,7 @@
             </a:pPr>
             <a:r>
               <a:rPr lang="en-US" dirty="0"/>
-              <a:t>The ARIMA model (colored </a:t>
+              <a:t>The ARMA model (colored </a:t>
             </a:r>
             <a:r>
               <a:rPr lang="en-US" dirty="0">
@@ -6238,7 +6220,7 @@
         <p:spPr>
           <a:xfrm>
             <a:off x="905933" y="800101"/>
-            <a:ext cx="11188700" cy="1754326"/>
+            <a:ext cx="11188700" cy="1477328"/>
           </a:xfrm>
           <a:prstGeom prst="rect">
             <a:avLst/>
@@ -6257,7 +6239,7 @@
                 </a:solidFill>
                 <a:latin typeface="Helvetica Neue"/>
               </a:rPr>
-              <a:t>The Neural Network model has a great ASE performance, but it is not feasible for the business as we need to know the future values of the exogenous variables to calculate the attrition rate prediction. </a:t>
+              <a:t>The Neural Network model has a great ASE performance, but it is not feasible for the business as we need to know the future values of the external variables to calculate the attrition rate prediction. </a:t>
             </a:r>
           </a:p>
           <a:p>
@@ -6280,11 +6262,8 @@
             </a:r>
             <a:r>
               <a:rPr lang="en-US" dirty="0"/>
-              <a:t> algorithm to combine and improve the predictions of VAR and ARMA models, </a:t>
-            </a:r>
-          </a:p>
-          <a:p>
-            <a:endParaRPr lang="en-US" dirty="0"/>
+              <a:t> algorithm to combine and improve the predictions of VAR and ARMA models.</a:t>
+            </a:r>
           </a:p>
         </p:txBody>
       </p:sp>
@@ -6401,7 +6380,15 @@
           <a:p>
             <a:r>
               <a:rPr lang="en-US" dirty="0"/>
-              <a:t>We used the first 2/3 of the train dataset to fit the VAR and ARIMA models, then the last 1/3 of the train dataset to fit the </a:t>
+              <a:t>We used the first 2/3 of the train dataset to fit the VAR </a:t>
+            </a:r>
+            <a:r>
+              <a:rPr lang="en-US"/>
+              <a:t>and ARMA </a:t>
+            </a:r>
+            <a:r>
+              <a:rPr lang="en-US" dirty="0"/>
+              <a:t>models, then the last 1/3 of the train dataset to fit the </a:t>
             </a:r>
             <a:r>
               <a:rPr lang="en-US" b="1" dirty="0"/>
@@ -6409,7 +6396,15 @@
             </a:r>
             <a:r>
               <a:rPr lang="en-US" dirty="0"/>
-              <a:t> based on the output of the first two models. We will then use the test dataset (12 months) to measure the performance of the ensemble model. This approach is called ‘Blending’</a:t>
+              <a:t> based on the output of the first two models. We will then use the test dataset (12 months) to measure the performance of the ensemble model. This approach is called ‘</a:t>
+            </a:r>
+            <a:r>
+              <a:rPr lang="en-US" i="1" dirty="0"/>
+              <a:t>Blending</a:t>
+            </a:r>
+            <a:r>
+              <a:rPr lang="en-US" dirty="0"/>
+              <a:t>’.</a:t>
             </a:r>
           </a:p>
         </p:txBody>
@@ -6458,7 +6453,7 @@
             <a:pPr algn="ctr"/>
             <a:r>
               <a:rPr lang="en-US" dirty="0"/>
-              <a:t>Training VAR and ARIMA</a:t>
+              <a:t>Training VAR and ARMA</a:t>
             </a:r>
           </a:p>
         </p:txBody>
@@ -6650,6 +6645,233 @@
           <a:p>
             <a:pPr algn="ctr"/>
             <a:endParaRPr lang="en-US"/>
+          </a:p>
+        </p:txBody>
+      </p:sp>
+      <p:sp>
+        <p:nvSpPr>
+          <p:cNvPr id="17" name="TextBox 16">
+            <a:extLst>
+              <a:ext uri="{FF2B5EF4-FFF2-40B4-BE49-F238E27FC236}">
+                <a16:creationId xmlns:a16="http://schemas.microsoft.com/office/drawing/2014/main" id="{9B6F778A-468A-4C03-9D70-F939C330DAD1}"/>
+              </a:ext>
+            </a:extLst>
+          </p:cNvPr>
+          <p:cNvSpPr txBox="1"/>
+          <p:nvPr/>
+        </p:nvSpPr>
+        <p:spPr>
+          <a:xfrm>
+            <a:off x="5638800" y="2901950"/>
+            <a:ext cx="65" cy="276999"/>
+          </a:xfrm>
+          <a:prstGeom prst="rect">
+            <a:avLst/>
+          </a:prstGeom>
+          <a:noFill/>
+        </p:spPr>
+        <p:txBody>
+          <a:bodyPr wrap="none" lIns="0" tIns="0" rIns="0" bIns="0" rtlCol="0">
+            <a:spAutoFit/>
+          </a:bodyPr>
+          <a:lstStyle/>
+          <a:p>
+            <a:endParaRPr lang="en-US" dirty="0"/>
+          </a:p>
+        </p:txBody>
+      </p:sp>
+      <p:sp>
+        <p:nvSpPr>
+          <p:cNvPr id="19" name="Right Brace 18">
+            <a:extLst>
+              <a:ext uri="{FF2B5EF4-FFF2-40B4-BE49-F238E27FC236}">
+                <a16:creationId xmlns:a16="http://schemas.microsoft.com/office/drawing/2014/main" id="{FCEDA7A8-F9C4-442D-9F4D-99FAF050A68E}"/>
+              </a:ext>
+            </a:extLst>
+          </p:cNvPr>
+          <p:cNvSpPr/>
+          <p:nvPr/>
+        </p:nvSpPr>
+        <p:spPr>
+          <a:xfrm rot="5400000">
+            <a:off x="5579533" y="2188633"/>
+            <a:ext cx="313268" cy="6070606"/>
+          </a:xfrm>
+          <a:prstGeom prst="rightBrace">
+            <a:avLst/>
+          </a:prstGeom>
+        </p:spPr>
+        <p:style>
+          <a:lnRef idx="1">
+            <a:schemeClr val="dk1"/>
+          </a:lnRef>
+          <a:fillRef idx="0">
+            <a:schemeClr val="dk1"/>
+          </a:fillRef>
+          <a:effectRef idx="0">
+            <a:schemeClr val="dk1"/>
+          </a:effectRef>
+          <a:fontRef idx="minor">
+            <a:schemeClr val="tx1"/>
+          </a:fontRef>
+        </p:style>
+        <p:txBody>
+          <a:bodyPr rtlCol="0" anchor="ctr"/>
+          <a:lstStyle/>
+          <a:p>
+            <a:pPr algn="ctr"/>
+            <a:endParaRPr lang="en-US"/>
+          </a:p>
+        </p:txBody>
+      </p:sp>
+      <p:sp>
+        <p:nvSpPr>
+          <p:cNvPr id="20" name="TextBox 19">
+            <a:extLst>
+              <a:ext uri="{FF2B5EF4-FFF2-40B4-BE49-F238E27FC236}">
+                <a16:creationId xmlns:a16="http://schemas.microsoft.com/office/drawing/2014/main" id="{57AA0F45-8802-41AE-93B3-CE9E5B95994B}"/>
+              </a:ext>
+            </a:extLst>
+          </p:cNvPr>
+          <p:cNvSpPr txBox="1"/>
+          <p:nvPr/>
+        </p:nvSpPr>
+        <p:spPr>
+          <a:xfrm>
+            <a:off x="5109633" y="5427133"/>
+            <a:ext cx="1474506" cy="369332"/>
+          </a:xfrm>
+          <a:prstGeom prst="rect">
+            <a:avLst/>
+          </a:prstGeom>
+          <a:noFill/>
+        </p:spPr>
+        <p:txBody>
+          <a:bodyPr wrap="none" rtlCol="0">
+            <a:spAutoFit/>
+          </a:bodyPr>
+          <a:lstStyle/>
+          <a:p>
+            <a:r>
+              <a:rPr lang="en-US" dirty="0"/>
+              <a:t>Train Dataset</a:t>
+            </a:r>
+          </a:p>
+        </p:txBody>
+      </p:sp>
+      <p:sp>
+        <p:nvSpPr>
+          <p:cNvPr id="21" name="Right Brace 20">
+            <a:extLst>
+              <a:ext uri="{FF2B5EF4-FFF2-40B4-BE49-F238E27FC236}">
+                <a16:creationId xmlns:a16="http://schemas.microsoft.com/office/drawing/2014/main" id="{2C102994-A39A-4696-9454-279EEC3E0282}"/>
+              </a:ext>
+            </a:extLst>
+          </p:cNvPr>
+          <p:cNvSpPr/>
+          <p:nvPr/>
+        </p:nvSpPr>
+        <p:spPr>
+          <a:xfrm rot="5400000">
+            <a:off x="9209617" y="4629154"/>
+            <a:ext cx="313268" cy="1189565"/>
+          </a:xfrm>
+          <a:prstGeom prst="rightBrace">
+            <a:avLst/>
+          </a:prstGeom>
+        </p:spPr>
+        <p:style>
+          <a:lnRef idx="1">
+            <a:schemeClr val="dk1"/>
+          </a:lnRef>
+          <a:fillRef idx="0">
+            <a:schemeClr val="dk1"/>
+          </a:fillRef>
+          <a:effectRef idx="0">
+            <a:schemeClr val="dk1"/>
+          </a:effectRef>
+          <a:fontRef idx="minor">
+            <a:schemeClr val="tx1"/>
+          </a:fontRef>
+        </p:style>
+        <p:txBody>
+          <a:bodyPr rtlCol="0" anchor="ctr"/>
+          <a:lstStyle/>
+          <a:p>
+            <a:pPr algn="ctr"/>
+            <a:endParaRPr lang="en-US"/>
+          </a:p>
+        </p:txBody>
+      </p:sp>
+      <p:sp>
+        <p:nvSpPr>
+          <p:cNvPr id="22" name="TextBox 21">
+            <a:extLst>
+              <a:ext uri="{FF2B5EF4-FFF2-40B4-BE49-F238E27FC236}">
+                <a16:creationId xmlns:a16="http://schemas.microsoft.com/office/drawing/2014/main" id="{D1C0BEEE-08D5-415D-BBCB-947A23CA94F5}"/>
+              </a:ext>
+            </a:extLst>
+          </p:cNvPr>
+          <p:cNvSpPr txBox="1"/>
+          <p:nvPr/>
+        </p:nvSpPr>
+        <p:spPr>
+          <a:xfrm>
+            <a:off x="8750302" y="5482171"/>
+            <a:ext cx="1398011" cy="369332"/>
+          </a:xfrm>
+          <a:prstGeom prst="rect">
+            <a:avLst/>
+          </a:prstGeom>
+          <a:noFill/>
+        </p:spPr>
+        <p:txBody>
+          <a:bodyPr wrap="none" rtlCol="0">
+            <a:spAutoFit/>
+          </a:bodyPr>
+          <a:lstStyle/>
+          <a:p>
+            <a:r>
+              <a:rPr lang="en-US" dirty="0"/>
+              <a:t>Test Dataset</a:t>
+            </a:r>
+          </a:p>
+        </p:txBody>
+      </p:sp>
+      <p:sp>
+        <p:nvSpPr>
+          <p:cNvPr id="24" name="Rectangle 23">
+            <a:extLst>
+              <a:ext uri="{FF2B5EF4-FFF2-40B4-BE49-F238E27FC236}">
+                <a16:creationId xmlns:a16="http://schemas.microsoft.com/office/drawing/2014/main" id="{04EE451F-3FE7-4716-B15E-F3C72B2954AE}"/>
+              </a:ext>
+            </a:extLst>
+          </p:cNvPr>
+          <p:cNvSpPr/>
+          <p:nvPr/>
+        </p:nvSpPr>
+        <p:spPr>
+          <a:xfrm>
+            <a:off x="711198" y="6546851"/>
+            <a:ext cx="7594602" cy="276999"/>
+          </a:xfrm>
+          <a:prstGeom prst="rect">
+            <a:avLst/>
+          </a:prstGeom>
+        </p:spPr>
+        <p:txBody>
+          <a:bodyPr wrap="square">
+            <a:spAutoFit/>
+          </a:bodyPr>
+          <a:lstStyle/>
+          <a:p>
+            <a:r>
+              <a:rPr lang="en-US" sz="1200" dirty="0">
+                <a:hlinkClick r:id="rId3"/>
+              </a:rPr>
+              <a:t>https://www.analyticsvidhya.com/blog/2018/06/comprehensive-guide-for-ensemble-models/</a:t>
+            </a:r>
+            <a:endParaRPr lang="en-US" sz="1200" dirty="0"/>
           </a:p>
         </p:txBody>
       </p:sp>
@@ -6873,16 +7095,15 @@
           </p:cNvPicPr>
           <p:nvPr/>
         </p:nvPicPr>
-        <p:blipFill>
+        <p:blipFill rotWithShape="1">
           <a:blip r:embed="rId4"/>
-          <a:stretch>
-            <a:fillRect/>
-          </a:stretch>
+          <a:srcRect b="14051"/>
+          <a:stretch/>
         </p:blipFill>
         <p:spPr>
           <a:xfrm>
-            <a:off x="1842064" y="5082263"/>
-            <a:ext cx="3453250" cy="1071414"/>
+            <a:off x="5728264" y="3429000"/>
+            <a:ext cx="4302122" cy="1147234"/>
           </a:xfrm>
           <a:prstGeom prst="rect">
             <a:avLst/>
@@ -7014,7 +7235,7 @@
               <a:rPr lang="en-US" b="1" dirty="0">
                 <a:latin typeface="Helvetica Neue"/>
               </a:rPr>
-              <a:t>Test data-set (black). </a:t>
+              <a:t>test data-set (black). </a:t>
             </a:r>
           </a:p>
           <a:p>
@@ -7737,7 +7958,7 @@
         <p:spPr>
           <a:xfrm>
             <a:off x="804333" y="722812"/>
-            <a:ext cx="9905999" cy="1477328"/>
+            <a:ext cx="11116734" cy="1477328"/>
           </a:xfrm>
           <a:prstGeom prst="rect">
             <a:avLst/>
@@ -7756,17 +7977,18 @@
                 </a:solidFill>
                 <a:latin typeface="Helvetica Neue"/>
               </a:rPr>
-              <a:t>The market the company operates in is very dynamic and competitive, so is not realistic to create a forecast more than 1 year </a:t>
-            </a:r>
-            <a:r>
-              <a:rPr lang="en-US" dirty="0" err="1">
-                <a:solidFill>
-                  <a:srgbClr val="333333"/>
-                </a:solidFill>
-                <a:latin typeface="Helvetica Neue"/>
-              </a:rPr>
-              <a:t>ahed</a:t>
-            </a:r>
+              <a:t>The market the company operates in is very dynamic and competitive, so is not realistic to create a forecast more than 1 year ahead.</a:t>
+            </a:r>
+          </a:p>
+          <a:p>
+            <a:endParaRPr lang="en-US" dirty="0">
+              <a:solidFill>
+                <a:srgbClr val="333333"/>
+              </a:solidFill>
+              <a:latin typeface="Helvetica Neue"/>
+            </a:endParaRPr>
+          </a:p>
+          <a:p>
             <a:r>
               <a:rPr lang="en-US" dirty="0">
                 <a:solidFill>
@@ -7774,18 +7996,17 @@
                 </a:solidFill>
                 <a:latin typeface="Helvetica Neue"/>
               </a:rPr>
-              <a:t>.</a:t>
-            </a:r>
-          </a:p>
-          <a:p>
-            <a:endParaRPr lang="en-US" dirty="0">
-              <a:solidFill>
-                <a:srgbClr val="333333"/>
-              </a:solidFill>
-              <a:latin typeface="Helvetica Neue"/>
-            </a:endParaRPr>
-          </a:p>
-          <a:p>
+              <a:t>Based on the performance and behavior of the models, we selected the </a:t>
+            </a:r>
+            <a:r>
+              <a:rPr lang="en-US" b="1" dirty="0">
+                <a:solidFill>
+                  <a:srgbClr val="333333"/>
+                </a:solidFill>
+                <a:latin typeface="Helvetica Neue"/>
+              </a:rPr>
+              <a:t>Ensemble Model </a:t>
+            </a:r>
             <a:r>
               <a:rPr lang="en-US" dirty="0">
                 <a:solidFill>
@@ -7793,7 +8014,7 @@
                 </a:solidFill>
                 <a:latin typeface="Helvetica Neue"/>
               </a:rPr>
-              <a:t>Based on the performance and behavior of the models, we selected the Ensemble Model as the ideal for producing forecast for the next 12 months. </a:t>
+              <a:t>as the ideal for producing forecast for the next 12 months. </a:t>
             </a:r>
             <a:endParaRPr lang="en-US" dirty="0"/>
           </a:p>
@@ -7847,10 +8068,9 @@
           </a:lstStyle>
           <a:p>
             <a:r>
-              <a:rPr lang="en-US" dirty="0" err="1"/>
-              <a:t>Forecase</a:t>
-            </a:r>
-            <a:endParaRPr lang="en-US" dirty="0"/>
+              <a:rPr lang="en-US" dirty="0"/>
+              <a:t>Forecast</a:t>
+            </a:r>
           </a:p>
         </p:txBody>
       </p:sp>
@@ -7869,7 +8089,7 @@
         <p:spPr>
           <a:xfrm>
             <a:off x="6968067" y="2539603"/>
-            <a:ext cx="4864101" cy="3416320"/>
+            <a:ext cx="5156200" cy="3416320"/>
           </a:xfrm>
           <a:prstGeom prst="rect">
             <a:avLst/>
@@ -7888,7 +8108,25 @@
                 </a:solidFill>
                 <a:latin typeface="Helvetica Neue"/>
               </a:rPr>
-              <a:t>The Blue Line shows the forecast of the Attrition Rate for the next 12 months. We can see it shows pattern and behavior of the past months. </a:t>
+              <a:t>The </a:t>
+            </a:r>
+            <a:r>
+              <a:rPr lang="en-US" dirty="0">
+                <a:solidFill>
+                  <a:srgbClr val="0070C0"/>
+                </a:solidFill>
+                <a:latin typeface="Helvetica Neue"/>
+              </a:rPr>
+              <a:t>Blue Line </a:t>
+            </a:r>
+            <a:r>
+              <a:rPr lang="en-US" dirty="0">
+                <a:solidFill>
+                  <a:srgbClr val="333333"/>
+                </a:solidFill>
+                <a:latin typeface="Helvetica Neue"/>
+              </a:rPr>
+              <a:t>shows the forecast of the Attrition Rate for the next 12 months. We can see it shows the historical pattern and behavior of the data. </a:t>
             </a:r>
           </a:p>
           <a:p>
@@ -7907,17 +8145,18 @@
                 </a:solidFill>
                 <a:latin typeface="Helvetica Neue"/>
               </a:rPr>
-              <a:t>We see an overall reduction of attrition rate, with some </a:t>
-            </a:r>
-            <a:r>
-              <a:rPr lang="en-US" dirty="0" err="1">
-                <a:solidFill>
-                  <a:srgbClr val="333333"/>
-                </a:solidFill>
-                <a:latin typeface="Helvetica Neue"/>
-              </a:rPr>
-              <a:t>peack</a:t>
-            </a:r>
+              <a:t>We see an overall reduction of attrition rate, with some peaks and valleys repeating at seasonal intervals</a:t>
+            </a:r>
+          </a:p>
+          <a:p>
+            <a:endParaRPr lang="en-US" dirty="0">
+              <a:solidFill>
+                <a:srgbClr val="333333"/>
+              </a:solidFill>
+              <a:latin typeface="Helvetica Neue"/>
+            </a:endParaRPr>
+          </a:p>
+          <a:p>
             <a:r>
               <a:rPr lang="en-US" dirty="0">
                 <a:solidFill>
@@ -7925,26 +8164,7 @@
                 </a:solidFill>
                 <a:latin typeface="Helvetica Neue"/>
               </a:rPr>
-              <a:t> and valley repeating at seasonal intervals</a:t>
-            </a:r>
-          </a:p>
-          <a:p>
-            <a:endParaRPr lang="en-US" dirty="0">
-              <a:solidFill>
-                <a:srgbClr val="333333"/>
-              </a:solidFill>
-              <a:latin typeface="Helvetica Neue"/>
-            </a:endParaRPr>
-          </a:p>
-          <a:p>
-            <a:r>
-              <a:rPr lang="en-US" dirty="0">
-                <a:solidFill>
-                  <a:srgbClr val="333333"/>
-                </a:solidFill>
-                <a:latin typeface="Helvetica Neue"/>
-              </a:rPr>
-              <a:t>We can see the light blue showing the confidence range the neural model is able to produce </a:t>
+              <a:t>The light blue area is showing the range of predictions the neural model is able to produce </a:t>
             </a:r>
             <a:r>
               <a:rPr lang="en-US" sz="1600" i="1" dirty="0">
@@ -8012,7 +8232,7 @@
           <a:p>
             <a:r>
               <a:rPr lang="en-US" dirty="0"/>
-              <a:t>Conclusion?</a:t>
+              <a:t>Conclusion</a:t>
             </a:r>
           </a:p>
         </p:txBody>
@@ -8035,34 +8255,28 @@
         </p:nvSpPr>
         <p:spPr/>
         <p:txBody>
-          <a:bodyPr/>
-          <a:lstStyle/>
-          <a:p>
-            <a:r>
-              <a:rPr lang="en-US" dirty="0"/>
-              <a:t>The models shows critical aspect of the attrition rate trend for the company</a:t>
+          <a:bodyPr>
+            <a:normAutofit lnSpcReduction="10000"/>
+          </a:bodyPr>
+          <a:lstStyle/>
+          <a:p>
+            <a:r>
+              <a:rPr lang="en-US" dirty="0"/>
+              <a:t>The models show critical aspects of the attrition rate trend for the company:</a:t>
             </a:r>
           </a:p>
           <a:p>
             <a:pPr lvl="1"/>
             <a:r>
               <a:rPr lang="en-US" dirty="0"/>
-              <a:t>It has seasonal behavior every 3 months</a:t>
+              <a:t>It has a seasonal behavior every 3 and 12 months</a:t>
             </a:r>
           </a:p>
           <a:p>
             <a:pPr lvl="1"/>
             <a:r>
               <a:rPr lang="en-US" dirty="0"/>
-              <a:t>It is correlated to other factors: Tenure, Age, </a:t>
-            </a:r>
-            <a:r>
-              <a:rPr lang="en-US" dirty="0" err="1"/>
-              <a:t>numer</a:t>
-            </a:r>
-            <a:r>
-              <a:rPr lang="en-US" dirty="0"/>
-              <a:t> of Direct Reporting , and Performance of the workforce.</a:t>
+              <a:t>It is correlated to other factors, like tenure, age, number of direct reporting, and performance of the workforce.</a:t>
             </a:r>
           </a:p>
           <a:p>
@@ -8087,6 +8301,13 @@
             <a:r>
               <a:rPr lang="en-US" dirty="0"/>
               <a:t>Retention programs based on the age and tenure of the workers.</a:t>
+            </a:r>
+          </a:p>
+          <a:p>
+            <a:pPr lvl="1"/>
+            <a:r>
+              <a:rPr lang="en-US" dirty="0"/>
+              <a:t>Anticipating the number of new hires needed to offset the future attrition rate.</a:t>
             </a:r>
           </a:p>
           <a:p>
@@ -8187,7 +8408,7 @@
           <a:p>
             <a:r>
               <a:rPr lang="en-US" dirty="0"/>
-              <a:t>Company A has experienced and recorded attrition information in regards to it’s workforce. The data that is available to us covers the period of 2010 through 2019.</a:t>
+              <a:t>Company A has experienced and recorded attrition information in regard to its workforce. The data that is available to us covers the period of 2010 through 2019.</a:t>
             </a:r>
           </a:p>
           <a:p>
@@ -8319,16 +8540,18 @@
         <p:spPr>
           <a:xfrm>
             <a:off x="776039" y="0"/>
-            <a:ext cx="3772246" cy="909194"/>
-          </a:xfrm>
-        </p:spPr>
-        <p:txBody>
-          <a:bodyPr/>
-          <a:lstStyle/>
-          <a:p>
-            <a:r>
-              <a:rPr lang="en-US" dirty="0"/>
-              <a:t>Fitted Models</a:t>
+            <a:ext cx="8160528" cy="909194"/>
+          </a:xfrm>
+        </p:spPr>
+        <p:txBody>
+          <a:bodyPr>
+            <a:normAutofit/>
+          </a:bodyPr>
+          <a:lstStyle/>
+          <a:p>
+            <a:r>
+              <a:rPr lang="en-US" dirty="0"/>
+              <a:t>Model 1 Identification</a:t>
             </a:r>
           </a:p>
         </p:txBody>
@@ -8540,7 +8763,7 @@
         </p:nvSpPr>
         <p:spPr>
           <a:xfrm>
-            <a:off x="914816" y="4766469"/>
+            <a:off x="927261" y="4714112"/>
             <a:ext cx="9485583" cy="646331"/>
           </a:xfrm>
           <a:prstGeom prst="rect">
@@ -8561,15 +8784,7 @@
           <a:p>
             <a:r>
               <a:rPr lang="en-US" dirty="0"/>
-              <a:t>Our </a:t>
-            </a:r>
-            <a:r>
-              <a:rPr lang="en-US" dirty="0" err="1"/>
-              <a:t>Parzen</a:t>
-            </a:r>
-            <a:r>
-              <a:rPr lang="en-US" dirty="0"/>
-              <a:t> Windows show peaks at frequencies of .71 and .34, approximately 3 and 6 months</a:t>
+              <a:t>Our Parzen-Window show peaks at frequencies of .17 and .34, approximately 3 and 6 months</a:t>
             </a:r>
           </a:p>
         </p:txBody>
@@ -8695,7 +8910,7 @@
         <p:spPr>
           <a:xfrm>
             <a:off x="933960" y="3729223"/>
-            <a:ext cx="8835713" cy="646331"/>
+            <a:ext cx="10394440" cy="646331"/>
           </a:xfrm>
           <a:prstGeom prst="rect">
             <a:avLst/>
@@ -8715,7 +8930,7 @@
           <a:p>
             <a:r>
               <a:rPr lang="en-US" dirty="0"/>
-              <a:t>And condition 3 not met as our ACF depends on time (as shown above).</a:t>
+              <a:t>Condition 3 is not met as our ACF depends on time.</a:t>
             </a:r>
           </a:p>
         </p:txBody>
@@ -8778,7 +8993,7 @@
           <a:p>
             <a:r>
               <a:rPr lang="en-US" dirty="0"/>
-              <a:t>Fitted Models Cont.</a:t>
+              <a:t>Model 1 Identification - Cont.</a:t>
             </a:r>
           </a:p>
         </p:txBody>
@@ -9004,7 +9219,7 @@
           <a:p>
             <a:r>
               <a:rPr lang="en-US" dirty="0"/>
-              <a:t>Fitted Models Cont.</a:t>
+              <a:t>Model 1 Fit</a:t>
             </a:r>
           </a:p>
         </p:txBody>
@@ -9031,7 +9246,7 @@
         </p:blipFill>
         <p:spPr>
           <a:xfrm>
-            <a:off x="5538978" y="384138"/>
+            <a:off x="5442965" y="681335"/>
             <a:ext cx="5810250" cy="2286000"/>
           </a:xfrm>
           <a:prstGeom prst="rect">
@@ -9061,7 +9276,7 @@
         </p:blipFill>
         <p:spPr>
           <a:xfrm>
-            <a:off x="11239500" y="393663"/>
+            <a:off x="11239500" y="690860"/>
             <a:ext cx="952500" cy="2276475"/>
           </a:xfrm>
           <a:prstGeom prst="rect">
@@ -9178,7 +9393,7 @@
         <p:spPr>
           <a:xfrm>
             <a:off x="5442966" y="2967335"/>
-            <a:ext cx="6083808" cy="2862322"/>
+            <a:ext cx="6469634" cy="2585323"/>
           </a:xfrm>
           <a:prstGeom prst="rect">
             <a:avLst/>
@@ -9337,7 +9552,7 @@
         <p:spPr>
           <a:xfrm>
             <a:off x="833966" y="1415077"/>
-            <a:ext cx="6187701" cy="3555250"/>
+            <a:ext cx="5568115" cy="3199256"/>
           </a:xfrm>
           <a:prstGeom prst="rect">
             <a:avLst/>
@@ -9358,8 +9573,8 @@
         </p:nvSpPr>
         <p:spPr>
           <a:xfrm>
-            <a:off x="7038359" y="1531277"/>
-            <a:ext cx="4230624" cy="1754326"/>
+            <a:off x="6482663" y="1519454"/>
+            <a:ext cx="5260603" cy="1200329"/>
           </a:xfrm>
           <a:prstGeom prst="rect">
             <a:avLst/>
@@ -9437,7 +9652,7 @@
         </p:nvSpPr>
         <p:spPr>
           <a:xfrm>
-            <a:off x="7141194" y="3802054"/>
+            <a:off x="6560099" y="3502256"/>
             <a:ext cx="3868367" cy="369332"/>
           </a:xfrm>
           <a:prstGeom prst="rect">
@@ -9484,8 +9699,8 @@
         </p:blipFill>
         <p:spPr>
           <a:xfrm>
-            <a:off x="878039" y="5185099"/>
-            <a:ext cx="5852960" cy="1619879"/>
+            <a:off x="753383" y="4861996"/>
+            <a:ext cx="5107894" cy="1413673"/>
           </a:xfrm>
           <a:prstGeom prst="rect">
             <a:avLst/>
@@ -9506,8 +9721,8 @@
         </p:nvSpPr>
         <p:spPr>
           <a:xfrm>
-            <a:off x="6730999" y="5185099"/>
-            <a:ext cx="5363633" cy="1200329"/>
+            <a:off x="5935284" y="4861996"/>
+            <a:ext cx="5960383" cy="1200329"/>
           </a:xfrm>
           <a:prstGeom prst="rect">
             <a:avLst/>
@@ -9521,8 +9736,12 @@
           <a:lstStyle/>
           <a:p>
             <a:r>
-              <a:rPr lang="en-US" dirty="0"/>
-              <a:t>Residuals: We can visually see we still have some correlation between residuals; hence the model can be improved. This hint has been also confirmed by the </a:t>
+              <a:rPr lang="en-US" b="1" dirty="0"/>
+              <a:t>Residuals</a:t>
+            </a:r>
+            <a:r>
+              <a:rPr lang="en-US" dirty="0"/>
+              <a:t>: We can visually see we still have some correlation between residuals; hence the model can be improved. This hint has been also confirmed by the </a:t>
             </a:r>
             <a:r>
               <a:rPr lang="en-US" dirty="0" err="1"/>
@@ -9535,6 +9754,36 @@
           </a:p>
         </p:txBody>
       </p:sp>
+      <p:pic>
+        <p:nvPicPr>
+          <p:cNvPr id="10" name="Picture 9">
+            <a:extLst>
+              <a:ext uri="{FF2B5EF4-FFF2-40B4-BE49-F238E27FC236}">
+                <a16:creationId xmlns:a16="http://schemas.microsoft.com/office/drawing/2014/main" id="{35C5BA42-1449-4B03-B875-5994FA15C046}"/>
+              </a:ext>
+            </a:extLst>
+          </p:cNvPr>
+          <p:cNvPicPr>
+            <a:picLocks noChangeAspect="1"/>
+          </p:cNvPicPr>
+          <p:nvPr/>
+        </p:nvPicPr>
+        <p:blipFill>
+          <a:blip r:embed="rId5"/>
+          <a:stretch>
+            <a:fillRect/>
+          </a:stretch>
+        </p:blipFill>
+        <p:spPr>
+          <a:xfrm>
+            <a:off x="753383" y="6319407"/>
+            <a:ext cx="4970084" cy="407850"/>
+          </a:xfrm>
+          <a:prstGeom prst="rect">
+            <a:avLst/>
+          </a:prstGeom>
+        </p:spPr>
+      </p:pic>
     </p:spTree>
     <p:extLst>
       <p:ext uri="{BB962C8B-B14F-4D97-AF65-F5344CB8AC3E}">
@@ -9706,7 +9955,7 @@
           <p:nvPr>
             <p:extLst>
               <p:ext uri="{D42A27DB-BD31-4B8C-83A1-F6EECF244321}">
-                <p14:modId xmlns:p14="http://schemas.microsoft.com/office/powerpoint/2010/main" val="2458658108"/>
+                <p14:modId xmlns:p14="http://schemas.microsoft.com/office/powerpoint/2010/main" val="2023973937"/>
               </p:ext>
             </p:extLst>
           </p:nvPr>
@@ -9894,7 +10143,7 @@
                     <a:p>
                       <a:r>
                         <a:rPr lang="en-US" dirty="0"/>
-                        <a:t>rate of low performers for the entire organization</a:t>
+                        <a:t>ratio of low performers for the entire organization</a:t>
                       </a:r>
                     </a:p>
                   </a:txBody>
@@ -9928,7 +10177,7 @@
                     <a:p>
                       <a:r>
                         <a:rPr lang="en-US" dirty="0"/>
-                        <a:t>rate of high performers for the entire organization</a:t>
+                        <a:t>ratio of high performers for the entire organization</a:t>
                       </a:r>
                     </a:p>
                   </a:txBody>
@@ -10051,7 +10300,7 @@
         </p:nvSpPr>
         <p:spPr>
           <a:xfrm>
-            <a:off x="3180406" y="1997857"/>
+            <a:off x="3243906" y="1920374"/>
             <a:ext cx="3998980" cy="369332"/>
           </a:xfrm>
           <a:prstGeom prst="rect">
@@ -10307,7 +10556,7 @@
                 </a:solidFill>
                 <a:latin typeface="Helvetica Neue"/>
               </a:rPr>
-              <a:t>We obtained a VAR model that uses a correlation uses a lag 6, with a total order of 60 predictors.</a:t>
+              <a:t>We obtained a VAR model that uses a lag 6, with a total order of 60 predictors.</a:t>
             </a:r>
           </a:p>
         </p:txBody>
@@ -10386,22 +10635,13 @@
           </a:p>
           <a:p>
             <a:r>
-              <a:rPr lang="en-US" dirty="0" err="1">
-                <a:solidFill>
-                  <a:srgbClr val="333333"/>
-                </a:solidFill>
-                <a:latin typeface="Helvetica Neue"/>
-              </a:rPr>
-              <a:t>Wnd</a:t>
-            </a:r>
-            <a:r>
               <a:rPr lang="en-US" dirty="0">
                 <a:solidFill>
                   <a:srgbClr val="333333"/>
                 </a:solidFill>
                 <a:latin typeface="Helvetica Neue"/>
               </a:rPr>
-              <a:t> we can see the complexity of the model produces a better fit</a:t>
+              <a:t>We can see the complexity of the model produces a better fit than ARMA</a:t>
             </a:r>
             <a:endParaRPr lang="en-US" dirty="0"/>
           </a:p>
